--- a/Week02/Week02.pptx
+++ b/Week02/Week02.pptx
@@ -1927,7 +1927,7 @@
           </a:pPr>
           <a:r>
             <a:rPr lang="en-US" b="1" dirty="0"/>
-            <a:t>👍 Week 2 [9/12] — Querying LLMs from Python</a:t>
+            <a:t>✅ Week 2 [9/12] — Querying LLMs from Python</a:t>
           </a:r>
           <a:endParaRPr lang="en-US" dirty="0"/>
         </a:p>
@@ -3786,7 +3786,7 @@
           </a:pPr>
           <a:r>
             <a:rPr lang="en-US" sz="1400" b="1" kern="1200" dirty="0"/>
-            <a:t>👍 Week 2 [9/12] — Querying LLMs from Python</a:t>
+            <a:t>✅ Week 2 [9/12] — Querying LLMs from Python</a:t>
           </a:r>
           <a:endParaRPr lang="en-US" sz="1400" kern="1200" dirty="0"/>
         </a:p>
@@ -8784,7 +8784,7 @@
           <a:p>
             <a:fld id="{5BCAD085-E8A6-8845-BD4E-CB4CCA059FC4}" type="datetimeFigureOut">
               <a:rPr lang="en-US" smtClean="0"/>
-              <a:t>9/11/25</a:t>
+              <a:t>9/12/25</a:t>
             </a:fld>
             <a:endParaRPr lang="en-US"/>
           </a:p>
@@ -8952,7 +8952,7 @@
           <a:p>
             <a:fld id="{5BCAD085-E8A6-8845-BD4E-CB4CCA059FC4}" type="datetimeFigureOut">
               <a:rPr lang="en-US" smtClean="0"/>
-              <a:t>9/11/25</a:t>
+              <a:t>9/12/25</a:t>
             </a:fld>
             <a:endParaRPr lang="en-US"/>
           </a:p>
@@ -9130,7 +9130,7 @@
           <a:p>
             <a:fld id="{5BCAD085-E8A6-8845-BD4E-CB4CCA059FC4}" type="datetimeFigureOut">
               <a:rPr lang="en-US" smtClean="0"/>
-              <a:t>9/11/25</a:t>
+              <a:t>9/12/25</a:t>
             </a:fld>
             <a:endParaRPr lang="en-US"/>
           </a:p>
@@ -9298,7 +9298,7 @@
           <a:p>
             <a:fld id="{5BCAD085-E8A6-8845-BD4E-CB4CCA059FC4}" type="datetimeFigureOut">
               <a:rPr lang="en-US" smtClean="0"/>
-              <a:t>9/11/25</a:t>
+              <a:t>9/12/25</a:t>
             </a:fld>
             <a:endParaRPr lang="en-US"/>
           </a:p>
@@ -9543,7 +9543,7 @@
           <a:p>
             <a:fld id="{5BCAD085-E8A6-8845-BD4E-CB4CCA059FC4}" type="datetimeFigureOut">
               <a:rPr lang="en-US" smtClean="0"/>
-              <a:t>9/11/25</a:t>
+              <a:t>9/12/25</a:t>
             </a:fld>
             <a:endParaRPr lang="en-US"/>
           </a:p>
@@ -9828,7 +9828,7 @@
           <a:p>
             <a:fld id="{5BCAD085-E8A6-8845-BD4E-CB4CCA059FC4}" type="datetimeFigureOut">
               <a:rPr lang="en-US" smtClean="0"/>
-              <a:t>9/11/25</a:t>
+              <a:t>9/12/25</a:t>
             </a:fld>
             <a:endParaRPr lang="en-US"/>
           </a:p>
@@ -10247,7 +10247,7 @@
           <a:p>
             <a:fld id="{5BCAD085-E8A6-8845-BD4E-CB4CCA059FC4}" type="datetimeFigureOut">
               <a:rPr lang="en-US" smtClean="0"/>
-              <a:t>9/11/25</a:t>
+              <a:t>9/12/25</a:t>
             </a:fld>
             <a:endParaRPr lang="en-US"/>
           </a:p>
@@ -10364,7 +10364,7 @@
           <a:p>
             <a:fld id="{5BCAD085-E8A6-8845-BD4E-CB4CCA059FC4}" type="datetimeFigureOut">
               <a:rPr lang="en-US" smtClean="0"/>
-              <a:t>9/11/25</a:t>
+              <a:t>9/12/25</a:t>
             </a:fld>
             <a:endParaRPr lang="en-US"/>
           </a:p>
@@ -10459,7 +10459,7 @@
           <a:p>
             <a:fld id="{5BCAD085-E8A6-8845-BD4E-CB4CCA059FC4}" type="datetimeFigureOut">
               <a:rPr lang="en-US" smtClean="0"/>
-              <a:t>9/11/25</a:t>
+              <a:t>9/12/25</a:t>
             </a:fld>
             <a:endParaRPr lang="en-US"/>
           </a:p>
@@ -10734,7 +10734,7 @@
           <a:p>
             <a:fld id="{5BCAD085-E8A6-8845-BD4E-CB4CCA059FC4}" type="datetimeFigureOut">
               <a:rPr lang="en-US" smtClean="0"/>
-              <a:t>9/11/25</a:t>
+              <a:t>9/12/25</a:t>
             </a:fld>
             <a:endParaRPr lang="en-US"/>
           </a:p>
@@ -10986,7 +10986,7 @@
           <a:p>
             <a:fld id="{5BCAD085-E8A6-8845-BD4E-CB4CCA059FC4}" type="datetimeFigureOut">
               <a:rPr lang="en-US" smtClean="0"/>
-              <a:t>9/11/25</a:t>
+              <a:t>9/12/25</a:t>
             </a:fld>
             <a:endParaRPr lang="en-US"/>
           </a:p>
@@ -11197,7 +11197,7 @@
           <a:p>
             <a:fld id="{5BCAD085-E8A6-8845-BD4E-CB4CCA059FC4}" type="datetimeFigureOut">
               <a:rPr lang="en-US" smtClean="0"/>
-              <a:t>9/11/25</a:t>
+              <a:t>9/12/25</a:t>
             </a:fld>
             <a:endParaRPr lang="en-US"/>
           </a:p>
@@ -18889,7 +18889,7 @@
             <p:ph idx="1"/>
             <p:extLst>
               <p:ext uri="{D42A27DB-BD31-4B8C-83A1-F6EECF244321}">
-                <p14:modId xmlns:p14="http://schemas.microsoft.com/office/powerpoint/2010/main" val="3617851451"/>
+                <p14:modId xmlns:p14="http://schemas.microsoft.com/office/powerpoint/2010/main" val="4073904313"/>
               </p:ext>
             </p:extLst>
           </p:nvPr>
